--- a/documents/course/Παραδείγματα Τελικού Κώδικα.pptx
+++ b/documents/course/Παραδείγματα Τελικού Κώδικα.pptx
@@ -20794,18 +20794,18 @@
                 </a:solidFill>
                 <a:latin typeface="Consolas" pitchFamily="49" charset="0"/>
               </a:rPr>
-              <a:t>10 := 1 _ a</a:t>
-            </a:r>
-          </a:p>
-          <a:p>
-            <a:r>
-              <a:rPr lang="en-US" sz="1600" b="1" dirty="0" smtClean="0">
-                <a:solidFill>
-                  <a:srgbClr val="002060"/>
-                </a:solidFill>
-                <a:latin typeface="Consolas" pitchFamily="49" charset="0"/>
-              </a:rPr>
-              <a:t>11 := 2 _ A</a:t>
+              <a:t>10 := 3 _ a</a:t>
+            </a:r>
+          </a:p>
+          <a:p>
+            <a:r>
+              <a:rPr lang="en-US" sz="1600" b="1" dirty="0" smtClean="0">
+                <a:solidFill>
+                  <a:srgbClr val="002060"/>
+                </a:solidFill>
+                <a:latin typeface="Consolas" pitchFamily="49" charset="0"/>
+              </a:rPr>
+              <a:t>11 := 4 _ A</a:t>
             </a:r>
           </a:p>
           <a:p>
@@ -21485,18 +21485,18 @@
                 </a:solidFill>
                 <a:latin typeface="Consolas" pitchFamily="49" charset="0"/>
               </a:rPr>
-              <a:t>10 := 1 _ a</a:t>
-            </a:r>
-          </a:p>
-          <a:p>
-            <a:r>
-              <a:rPr lang="en-US" sz="1600" b="1" dirty="0" smtClean="0">
-                <a:solidFill>
-                  <a:srgbClr val="002060"/>
-                </a:solidFill>
-                <a:latin typeface="Consolas" pitchFamily="49" charset="0"/>
-              </a:rPr>
-              <a:t>11 := 2 _ A</a:t>
+              <a:t>10 := 3 _ a</a:t>
+            </a:r>
+          </a:p>
+          <a:p>
+            <a:r>
+              <a:rPr lang="en-US" sz="1600" b="1" dirty="0" smtClean="0">
+                <a:solidFill>
+                  <a:srgbClr val="002060"/>
+                </a:solidFill>
+                <a:latin typeface="Consolas" pitchFamily="49" charset="0"/>
+              </a:rPr>
+              <a:t>11 := 4 _ A</a:t>
             </a:r>
           </a:p>
           <a:p>
@@ -21972,18 +21972,18 @@
                 </a:solidFill>
                 <a:latin typeface="Consolas" pitchFamily="49" charset="0"/>
               </a:rPr>
-              <a:t>10 := 1 _ a</a:t>
-            </a:r>
-          </a:p>
-          <a:p>
-            <a:r>
-              <a:rPr lang="en-US" sz="1600" b="1" dirty="0" smtClean="0">
-                <a:solidFill>
-                  <a:srgbClr val="002060"/>
-                </a:solidFill>
-                <a:latin typeface="Consolas" pitchFamily="49" charset="0"/>
-              </a:rPr>
-              <a:t>11 := 2 _ A</a:t>
+              <a:t>10 := 3 _ a</a:t>
+            </a:r>
+          </a:p>
+          <a:p>
+            <a:r>
+              <a:rPr lang="en-US" sz="1600" b="1" dirty="0" smtClean="0">
+                <a:solidFill>
+                  <a:srgbClr val="002060"/>
+                </a:solidFill>
+                <a:latin typeface="Consolas" pitchFamily="49" charset="0"/>
+              </a:rPr>
+              <a:t>11 := 4 _ A</a:t>
             </a:r>
           </a:p>
           <a:p>
@@ -22528,18 +22528,18 @@
                 </a:solidFill>
                 <a:latin typeface="Consolas" pitchFamily="49" charset="0"/>
               </a:rPr>
-              <a:t>10 := 1 _ a</a:t>
-            </a:r>
-          </a:p>
-          <a:p>
-            <a:r>
-              <a:rPr lang="en-US" sz="1600" b="1" dirty="0" smtClean="0">
-                <a:solidFill>
-                  <a:srgbClr val="002060"/>
-                </a:solidFill>
-                <a:latin typeface="Consolas" pitchFamily="49" charset="0"/>
-              </a:rPr>
-              <a:t>11 := 2 _ A</a:t>
+              <a:t>10 := 3 _ a</a:t>
+            </a:r>
+          </a:p>
+          <a:p>
+            <a:r>
+              <a:rPr lang="en-US" sz="1600" b="1" dirty="0" smtClean="0">
+                <a:solidFill>
+                  <a:srgbClr val="002060"/>
+                </a:solidFill>
+                <a:latin typeface="Consolas" pitchFamily="49" charset="0"/>
+              </a:rPr>
+              <a:t>11 := 4 _ A</a:t>
             </a:r>
           </a:p>
           <a:p>
@@ -24003,18 +24003,18 @@
                 </a:solidFill>
                 <a:latin typeface="Consolas" pitchFamily="49" charset="0"/>
               </a:rPr>
-              <a:t>10 := 1 _ a</a:t>
-            </a:r>
-          </a:p>
-          <a:p>
-            <a:r>
-              <a:rPr lang="en-US" sz="1600" b="1" dirty="0" smtClean="0">
-                <a:solidFill>
-                  <a:srgbClr val="002060"/>
-                </a:solidFill>
-                <a:latin typeface="Consolas" pitchFamily="49" charset="0"/>
-              </a:rPr>
-              <a:t>11 := 2 _ A</a:t>
+              <a:t>10 := 3 _ a</a:t>
+            </a:r>
+          </a:p>
+          <a:p>
+            <a:r>
+              <a:rPr lang="en-US" sz="1600" b="1" dirty="0" smtClean="0">
+                <a:solidFill>
+                  <a:srgbClr val="002060"/>
+                </a:solidFill>
+                <a:latin typeface="Consolas" pitchFamily="49" charset="0"/>
+              </a:rPr>
+              <a:t>11 := 4 _ A</a:t>
             </a:r>
           </a:p>
           <a:p>
@@ -24911,18 +24911,18 @@
                 </a:solidFill>
                 <a:latin typeface="Consolas" pitchFamily="49" charset="0"/>
               </a:rPr>
-              <a:t>10 := 1 _ a</a:t>
-            </a:r>
-          </a:p>
-          <a:p>
-            <a:r>
-              <a:rPr lang="en-US" sz="1600" b="1" dirty="0" smtClean="0">
-                <a:solidFill>
-                  <a:srgbClr val="002060"/>
-                </a:solidFill>
-                <a:latin typeface="Consolas" pitchFamily="49" charset="0"/>
-              </a:rPr>
-              <a:t>11 := 2 _ A</a:t>
+              <a:t>10 := 3 _ a</a:t>
+            </a:r>
+          </a:p>
+          <a:p>
+            <a:r>
+              <a:rPr lang="en-US" sz="1600" b="1" dirty="0" smtClean="0">
+                <a:solidFill>
+                  <a:srgbClr val="002060"/>
+                </a:solidFill>
+                <a:latin typeface="Consolas" pitchFamily="49" charset="0"/>
+              </a:rPr>
+              <a:t>11 := 4 _ A</a:t>
             </a:r>
           </a:p>
           <a:p>
@@ -25367,18 +25367,18 @@
                 </a:solidFill>
                 <a:latin typeface="Consolas" pitchFamily="49" charset="0"/>
               </a:rPr>
-              <a:t>10 := 1 _ a</a:t>
-            </a:r>
-          </a:p>
-          <a:p>
-            <a:r>
-              <a:rPr lang="en-US" sz="1600" b="1" dirty="0" smtClean="0">
-                <a:solidFill>
-                  <a:srgbClr val="002060"/>
-                </a:solidFill>
-                <a:latin typeface="Consolas" pitchFamily="49" charset="0"/>
-              </a:rPr>
-              <a:t>11 := 2 _ A</a:t>
+              <a:t>10 := 3 _ a</a:t>
+            </a:r>
+          </a:p>
+          <a:p>
+            <a:r>
+              <a:rPr lang="en-US" sz="1600" b="1" dirty="0" smtClean="0">
+                <a:solidFill>
+                  <a:srgbClr val="002060"/>
+                </a:solidFill>
+                <a:latin typeface="Consolas" pitchFamily="49" charset="0"/>
+              </a:rPr>
+              <a:t>11 := 4 _ A</a:t>
             </a:r>
           </a:p>
           <a:p>
@@ -25953,18 +25953,18 @@
                 </a:solidFill>
                 <a:latin typeface="Consolas" pitchFamily="49" charset="0"/>
               </a:rPr>
-              <a:t>10 := 1 _ a</a:t>
-            </a:r>
-          </a:p>
-          <a:p>
-            <a:r>
-              <a:rPr lang="en-US" sz="1600" b="1" dirty="0" smtClean="0">
-                <a:solidFill>
-                  <a:srgbClr val="002060"/>
-                </a:solidFill>
-                <a:latin typeface="Consolas" pitchFamily="49" charset="0"/>
-              </a:rPr>
-              <a:t>11 := 2 _ A</a:t>
+              <a:t>10 := 3 _ a</a:t>
+            </a:r>
+          </a:p>
+          <a:p>
+            <a:r>
+              <a:rPr lang="en-US" sz="1600" b="1" dirty="0" smtClean="0">
+                <a:solidFill>
+                  <a:srgbClr val="002060"/>
+                </a:solidFill>
+                <a:latin typeface="Consolas" pitchFamily="49" charset="0"/>
+              </a:rPr>
+              <a:t>11 := 4 _ A</a:t>
             </a:r>
           </a:p>
           <a:p>
@@ -26197,7 +26197,186 @@
                 </a:solidFill>
                 <a:latin typeface="Consolas" pitchFamily="49" charset="0"/>
               </a:rPr>
-              <a:t> </a:t>
+              <a:t> A</a:t>
+            </a:r>
+          </a:p>
+          <a:p>
+            <a:r>
+              <a:rPr lang="en-US" sz="1600" b="1" dirty="0" smtClean="0">
+                <a:solidFill>
+                  <a:srgbClr val="008000"/>
+                </a:solidFill>
+                <a:latin typeface="Consolas" pitchFamily="49" charset="0"/>
+              </a:rPr>
+              <a:t>   </a:t>
+            </a:r>
+          </a:p>
+          <a:p>
+            <a:r>
+              <a:rPr lang="en-US" sz="1600" b="1" dirty="0" smtClean="0">
+                <a:solidFill>
+                  <a:srgbClr val="008000"/>
+                </a:solidFill>
+                <a:latin typeface="Consolas" pitchFamily="49" charset="0"/>
+              </a:rPr>
+              <a:t>   </a:t>
+            </a:r>
+            <a:r>
+              <a:rPr lang="en-US" sz="1600" b="1" dirty="0" err="1" smtClean="0">
+                <a:solidFill>
+                  <a:srgbClr val="008000"/>
+                </a:solidFill>
+                <a:latin typeface="Consolas" pitchFamily="49" charset="0"/>
+              </a:rPr>
+              <a:t>int</a:t>
+            </a:r>
+            <a:r>
+              <a:rPr lang="en-US" sz="1600" b="1" dirty="0" smtClean="0">
+                <a:solidFill>
+                  <a:srgbClr val="008000"/>
+                </a:solidFill>
+                <a:latin typeface="Consolas" pitchFamily="49" charset="0"/>
+              </a:rPr>
+              <a:t> f1()</a:t>
+            </a:r>
+          </a:p>
+          <a:p>
+            <a:r>
+              <a:rPr lang="en-US" sz="1600" b="1" dirty="0" smtClean="0">
+                <a:solidFill>
+                  <a:srgbClr val="008000"/>
+                </a:solidFill>
+                <a:latin typeface="Consolas" pitchFamily="49" charset="0"/>
+              </a:rPr>
+              <a:t>   {  </a:t>
+            </a:r>
+          </a:p>
+          <a:p>
+            <a:r>
+              <a:rPr lang="en-US" sz="1600" b="1" dirty="0" smtClean="0">
+                <a:solidFill>
+                  <a:srgbClr val="008000"/>
+                </a:solidFill>
+                <a:latin typeface="Consolas" pitchFamily="49" charset="0"/>
+              </a:rPr>
+              <a:t>	</a:t>
+            </a:r>
+            <a:r>
+              <a:rPr lang="en-US" sz="1600" b="1" dirty="0" err="1" smtClean="0">
+                <a:solidFill>
+                  <a:srgbClr val="008000"/>
+                </a:solidFill>
+                <a:latin typeface="Consolas" pitchFamily="49" charset="0"/>
+              </a:rPr>
+              <a:t>int</a:t>
+            </a:r>
+            <a:r>
+              <a:rPr lang="en-US" sz="1600" b="1" dirty="0" smtClean="0">
+                <a:solidFill>
+                  <a:srgbClr val="008000"/>
+                </a:solidFill>
+                <a:latin typeface="Consolas" pitchFamily="49" charset="0"/>
+              </a:rPr>
+              <a:t> B</a:t>
+            </a:r>
+          </a:p>
+          <a:p>
+            <a:r>
+              <a:rPr lang="en-US" sz="1600" b="1" dirty="0" smtClean="0">
+                <a:solidFill>
+                  <a:srgbClr val="008000"/>
+                </a:solidFill>
+                <a:latin typeface="Consolas" pitchFamily="49" charset="0"/>
+              </a:rPr>
+              <a:t>	void f2()</a:t>
+            </a:r>
+          </a:p>
+          <a:p>
+            <a:r>
+              <a:rPr lang="en-US" sz="1600" b="1" dirty="0" smtClean="0">
+                <a:solidFill>
+                  <a:srgbClr val="008000"/>
+                </a:solidFill>
+                <a:latin typeface="Consolas" pitchFamily="49" charset="0"/>
+              </a:rPr>
+              <a:t>	{</a:t>
+            </a:r>
+          </a:p>
+          <a:p>
+            <a:r>
+              <a:rPr lang="en-US" sz="1600" b="1" dirty="0" smtClean="0">
+                <a:solidFill>
+                  <a:srgbClr val="008000"/>
+                </a:solidFill>
+                <a:latin typeface="Consolas" pitchFamily="49" charset="0"/>
+              </a:rPr>
+              <a:t>	   B=1</a:t>
+            </a:r>
+          </a:p>
+          <a:p>
+            <a:r>
+              <a:rPr lang="en-US" sz="1600" b="1" dirty="0" smtClean="0">
+                <a:solidFill>
+                  <a:srgbClr val="008000"/>
+                </a:solidFill>
+                <a:latin typeface="Consolas" pitchFamily="49" charset="0"/>
+              </a:rPr>
+              <a:t>	   return 1</a:t>
+            </a:r>
+          </a:p>
+          <a:p>
+            <a:r>
+              <a:rPr lang="en-US" sz="1600" b="1" dirty="0" smtClean="0">
+                <a:solidFill>
+                  <a:srgbClr val="008000"/>
+                </a:solidFill>
+                <a:latin typeface="Consolas" pitchFamily="49" charset="0"/>
+              </a:rPr>
+              <a:t>	}</a:t>
+            </a:r>
+          </a:p>
+          <a:p>
+            <a:r>
+              <a:rPr lang="en-US" sz="1600" b="1" dirty="0" smtClean="0">
+                <a:solidFill>
+                  <a:srgbClr val="008000"/>
+                </a:solidFill>
+                <a:latin typeface="Consolas" pitchFamily="49" charset="0"/>
+              </a:rPr>
+              <a:t>	A=f2()</a:t>
+            </a:r>
+          </a:p>
+          <a:p>
+            <a:r>
+              <a:rPr lang="en-US" sz="1600" b="1" dirty="0" smtClean="0">
+                <a:solidFill>
+                  <a:srgbClr val="008000"/>
+                </a:solidFill>
+                <a:latin typeface="Consolas" pitchFamily="49" charset="0"/>
+              </a:rPr>
+              <a:t>	return A</a:t>
+            </a:r>
+          </a:p>
+          <a:p>
+            <a:r>
+              <a:rPr lang="en-US" sz="1600" b="1" dirty="0" smtClean="0">
+                <a:solidFill>
+                  <a:srgbClr val="008000"/>
+                </a:solidFill>
+                <a:latin typeface="Consolas" pitchFamily="49" charset="0"/>
+              </a:rPr>
+              <a:t>   }</a:t>
+            </a:r>
+          </a:p>
+          <a:p>
+            <a:r>
+              <a:rPr lang="en-US" sz="1600" b="1" dirty="0" smtClean="0">
+                <a:solidFill>
+                  <a:srgbClr val="008000"/>
+                </a:solidFill>
+                <a:latin typeface="Consolas" pitchFamily="49" charset="0"/>
+              </a:rPr>
+              <a:t>   print f1(), </a:t>
             </a:r>
             <a:r>
               <a:rPr lang="en-US" sz="1600" b="1" dirty="0" smtClean="0">
@@ -26207,311 +26386,6 @@
                 <a:latin typeface="Consolas" pitchFamily="49" charset="0"/>
               </a:rPr>
               <a:t>A</a:t>
-            </a:r>
-            <a:endParaRPr lang="en-US" sz="1600" b="1" dirty="0" smtClean="0">
-              <a:solidFill>
-                <a:srgbClr val="008000"/>
-              </a:solidFill>
-              <a:latin typeface="Consolas" pitchFamily="49" charset="0"/>
-            </a:endParaRPr>
-          </a:p>
-          <a:p>
-            <a:r>
-              <a:rPr lang="en-US" sz="1600" b="1" dirty="0" smtClean="0">
-                <a:solidFill>
-                  <a:srgbClr val="008000"/>
-                </a:solidFill>
-                <a:latin typeface="Consolas" pitchFamily="49" charset="0"/>
-              </a:rPr>
-              <a:t>   </a:t>
-            </a:r>
-          </a:p>
-          <a:p>
-            <a:r>
-              <a:rPr lang="en-US" sz="1600" b="1" dirty="0" smtClean="0">
-                <a:solidFill>
-                  <a:srgbClr val="008000"/>
-                </a:solidFill>
-                <a:latin typeface="Consolas" pitchFamily="49" charset="0"/>
-              </a:rPr>
-              <a:t>   </a:t>
-            </a:r>
-            <a:r>
-              <a:rPr lang="en-US" sz="1600" b="1" dirty="0" err="1" smtClean="0">
-                <a:solidFill>
-                  <a:srgbClr val="008000"/>
-                </a:solidFill>
-                <a:latin typeface="Consolas" pitchFamily="49" charset="0"/>
-              </a:rPr>
-              <a:t>int</a:t>
-            </a:r>
-            <a:r>
-              <a:rPr lang="en-US" sz="1600" b="1" dirty="0" smtClean="0">
-                <a:solidFill>
-                  <a:srgbClr val="008000"/>
-                </a:solidFill>
-                <a:latin typeface="Consolas" pitchFamily="49" charset="0"/>
-              </a:rPr>
-              <a:t> f1()</a:t>
-            </a:r>
-            <a:endParaRPr lang="en-US" sz="1600" b="1" dirty="0" smtClean="0">
-              <a:solidFill>
-                <a:srgbClr val="008000"/>
-              </a:solidFill>
-              <a:latin typeface="Consolas" pitchFamily="49" charset="0"/>
-            </a:endParaRPr>
-          </a:p>
-          <a:p>
-            <a:r>
-              <a:rPr lang="en-US" sz="1600" b="1" dirty="0" smtClean="0">
-                <a:solidFill>
-                  <a:srgbClr val="008000"/>
-                </a:solidFill>
-                <a:latin typeface="Consolas" pitchFamily="49" charset="0"/>
-              </a:rPr>
-              <a:t>   {  </a:t>
-            </a:r>
-            <a:endParaRPr lang="en-US" sz="1600" b="1" dirty="0" smtClean="0">
-              <a:solidFill>
-                <a:srgbClr val="008000"/>
-              </a:solidFill>
-              <a:latin typeface="Consolas" pitchFamily="49" charset="0"/>
-            </a:endParaRPr>
-          </a:p>
-          <a:p>
-            <a:r>
-              <a:rPr lang="en-US" sz="1600" b="1" dirty="0" smtClean="0">
-                <a:solidFill>
-                  <a:srgbClr val="008000"/>
-                </a:solidFill>
-                <a:latin typeface="Consolas" pitchFamily="49" charset="0"/>
-              </a:rPr>
-              <a:t>	</a:t>
-            </a:r>
-            <a:r>
-              <a:rPr lang="en-US" sz="1600" b="1" dirty="0" err="1" smtClean="0">
-                <a:solidFill>
-                  <a:srgbClr val="008000"/>
-                </a:solidFill>
-                <a:latin typeface="Consolas" pitchFamily="49" charset="0"/>
-              </a:rPr>
-              <a:t>int</a:t>
-            </a:r>
-            <a:r>
-              <a:rPr lang="en-US" sz="1600" b="1" dirty="0" smtClean="0">
-                <a:solidFill>
-                  <a:srgbClr val="008000"/>
-                </a:solidFill>
-                <a:latin typeface="Consolas" pitchFamily="49" charset="0"/>
-              </a:rPr>
-              <a:t> B</a:t>
-            </a:r>
-            <a:endParaRPr lang="en-US" sz="1600" b="1" dirty="0" smtClean="0">
-              <a:solidFill>
-                <a:srgbClr val="008000"/>
-              </a:solidFill>
-              <a:latin typeface="Consolas" pitchFamily="49" charset="0"/>
-            </a:endParaRPr>
-          </a:p>
-          <a:p>
-            <a:r>
-              <a:rPr lang="en-US" sz="1600" b="1" dirty="0" smtClean="0">
-                <a:solidFill>
-                  <a:srgbClr val="008000"/>
-                </a:solidFill>
-                <a:latin typeface="Consolas" pitchFamily="49" charset="0"/>
-              </a:rPr>
-              <a:t>	void f2()</a:t>
-            </a:r>
-          </a:p>
-          <a:p>
-            <a:r>
-              <a:rPr lang="en-US" sz="1600" b="1" dirty="0" smtClean="0">
-                <a:solidFill>
-                  <a:srgbClr val="008000"/>
-                </a:solidFill>
-                <a:latin typeface="Consolas" pitchFamily="49" charset="0"/>
-              </a:rPr>
-              <a:t>	{</a:t>
-            </a:r>
-          </a:p>
-          <a:p>
-            <a:r>
-              <a:rPr lang="en-US" sz="1600" b="1" dirty="0" smtClean="0">
-                <a:solidFill>
-                  <a:srgbClr val="008000"/>
-                </a:solidFill>
-                <a:latin typeface="Consolas" pitchFamily="49" charset="0"/>
-              </a:rPr>
-              <a:t>	   </a:t>
-            </a:r>
-            <a:r>
-              <a:rPr lang="en-US" sz="1600" b="1" dirty="0" smtClean="0">
-                <a:solidFill>
-                  <a:srgbClr val="008000"/>
-                </a:solidFill>
-                <a:latin typeface="Consolas" pitchFamily="49" charset="0"/>
-              </a:rPr>
-              <a:t>B=1</a:t>
-            </a:r>
-            <a:endParaRPr lang="en-US" sz="1600" b="1" dirty="0" smtClean="0">
-              <a:solidFill>
-                <a:srgbClr val="008000"/>
-              </a:solidFill>
-              <a:latin typeface="Consolas" pitchFamily="49" charset="0"/>
-            </a:endParaRPr>
-          </a:p>
-          <a:p>
-            <a:r>
-              <a:rPr lang="en-US" sz="1600" b="1" dirty="0" smtClean="0">
-                <a:solidFill>
-                  <a:srgbClr val="008000"/>
-                </a:solidFill>
-                <a:latin typeface="Consolas" pitchFamily="49" charset="0"/>
-              </a:rPr>
-              <a:t>	</a:t>
-            </a:r>
-            <a:r>
-              <a:rPr lang="en-US" sz="1600" b="1" dirty="0" smtClean="0">
-                <a:solidFill>
-                  <a:srgbClr val="008000"/>
-                </a:solidFill>
-                <a:latin typeface="Consolas" pitchFamily="49" charset="0"/>
-              </a:rPr>
-              <a:t> </a:t>
-            </a:r>
-            <a:r>
-              <a:rPr lang="en-US" sz="1600" b="1" dirty="0" smtClean="0">
-                <a:solidFill>
-                  <a:srgbClr val="008000"/>
-                </a:solidFill>
-                <a:latin typeface="Consolas" pitchFamily="49" charset="0"/>
-              </a:rPr>
-              <a:t>  return 1</a:t>
-            </a:r>
-            <a:endParaRPr lang="en-US" sz="1600" b="1" dirty="0" smtClean="0">
-              <a:solidFill>
-                <a:srgbClr val="008000"/>
-              </a:solidFill>
-              <a:latin typeface="Consolas" pitchFamily="49" charset="0"/>
-            </a:endParaRPr>
-          </a:p>
-          <a:p>
-            <a:r>
-              <a:rPr lang="en-US" sz="1600" b="1" dirty="0" smtClean="0">
-                <a:solidFill>
-                  <a:srgbClr val="008000"/>
-                </a:solidFill>
-                <a:latin typeface="Consolas" pitchFamily="49" charset="0"/>
-              </a:rPr>
-              <a:t>	</a:t>
-            </a:r>
-            <a:r>
-              <a:rPr lang="en-US" sz="1600" b="1" dirty="0" smtClean="0">
-                <a:solidFill>
-                  <a:srgbClr val="008000"/>
-                </a:solidFill>
-                <a:latin typeface="Consolas" pitchFamily="49" charset="0"/>
-              </a:rPr>
-              <a:t>}</a:t>
-            </a:r>
-            <a:endParaRPr lang="en-US" sz="1600" b="1" dirty="0" smtClean="0">
-              <a:solidFill>
-                <a:srgbClr val="008000"/>
-              </a:solidFill>
-              <a:latin typeface="Consolas" pitchFamily="49" charset="0"/>
-            </a:endParaRPr>
-          </a:p>
-          <a:p>
-            <a:r>
-              <a:rPr lang="en-US" sz="1600" b="1" dirty="0" smtClean="0">
-                <a:solidFill>
-                  <a:srgbClr val="008000"/>
-                </a:solidFill>
-                <a:latin typeface="Consolas" pitchFamily="49" charset="0"/>
-              </a:rPr>
-              <a:t>	</a:t>
-            </a:r>
-            <a:r>
-              <a:rPr lang="en-US" sz="1600" b="1" dirty="0" smtClean="0">
-                <a:solidFill>
-                  <a:srgbClr val="008000"/>
-                </a:solidFill>
-                <a:latin typeface="Consolas" pitchFamily="49" charset="0"/>
-              </a:rPr>
-              <a:t>A=f2()</a:t>
-            </a:r>
-          </a:p>
-          <a:p>
-            <a:r>
-              <a:rPr lang="en-US" sz="1600" b="1" dirty="0" smtClean="0">
-                <a:solidFill>
-                  <a:srgbClr val="008000"/>
-                </a:solidFill>
-                <a:latin typeface="Consolas" pitchFamily="49" charset="0"/>
-              </a:rPr>
-              <a:t>	</a:t>
-            </a:r>
-            <a:r>
-              <a:rPr lang="en-US" sz="1600" b="1" dirty="0" smtClean="0">
-                <a:solidFill>
-                  <a:srgbClr val="008000"/>
-                </a:solidFill>
-                <a:latin typeface="Consolas" pitchFamily="49" charset="0"/>
-              </a:rPr>
-              <a:t>return A</a:t>
-            </a:r>
-            <a:endParaRPr lang="en-US" sz="1600" b="1" dirty="0" smtClean="0">
-              <a:solidFill>
-                <a:srgbClr val="008000"/>
-              </a:solidFill>
-              <a:latin typeface="Consolas" pitchFamily="49" charset="0"/>
-            </a:endParaRPr>
-          </a:p>
-          <a:p>
-            <a:r>
-              <a:rPr lang="en-US" sz="1600" b="1" dirty="0" smtClean="0">
-                <a:solidFill>
-                  <a:srgbClr val="008000"/>
-                </a:solidFill>
-                <a:latin typeface="Consolas" pitchFamily="49" charset="0"/>
-              </a:rPr>
-              <a:t>   </a:t>
-            </a:r>
-            <a:r>
-              <a:rPr lang="en-US" sz="1600" b="1" dirty="0" smtClean="0">
-                <a:solidFill>
-                  <a:srgbClr val="008000"/>
-                </a:solidFill>
-                <a:latin typeface="Consolas" pitchFamily="49" charset="0"/>
-              </a:rPr>
-              <a:t>}</a:t>
-            </a:r>
-            <a:endParaRPr lang="en-US" sz="1600" b="1" dirty="0" smtClean="0">
-              <a:solidFill>
-                <a:srgbClr val="008000"/>
-              </a:solidFill>
-              <a:latin typeface="Consolas" pitchFamily="49" charset="0"/>
-            </a:endParaRPr>
-          </a:p>
-          <a:p>
-            <a:r>
-              <a:rPr lang="en-US" sz="1600" b="1" dirty="0" smtClean="0">
-                <a:solidFill>
-                  <a:srgbClr val="008000"/>
-                </a:solidFill>
-                <a:latin typeface="Consolas" pitchFamily="49" charset="0"/>
-              </a:rPr>
-              <a:t>   </a:t>
-            </a:r>
-            <a:r>
-              <a:rPr lang="en-US" sz="1600" b="1" dirty="0" smtClean="0">
-                <a:solidFill>
-                  <a:srgbClr val="008000"/>
-                </a:solidFill>
-                <a:latin typeface="Consolas" pitchFamily="49" charset="0"/>
-              </a:rPr>
-              <a:t>print f1(), A, B</a:t>
             </a:r>
             <a:endParaRPr lang="en-US" sz="1600" b="1" dirty="0" smtClean="0">
               <a:solidFill>
@@ -26542,7 +26416,7 @@
         <p:spPr>
           <a:xfrm>
             <a:off x="4071934" y="2000240"/>
-            <a:ext cx="2786082" cy="4524315"/>
+            <a:ext cx="2786082" cy="4278094"/>
           </a:xfrm>
           <a:prstGeom prst="rect">
             <a:avLst/>
@@ -26562,6 +26436,184 @@
                 </a:solidFill>
                 <a:latin typeface="Consolas" pitchFamily="49" charset="0"/>
               </a:rPr>
+              <a:t> 1 </a:t>
+            </a:r>
+            <a:r>
+              <a:rPr lang="en-US" sz="1600" b="1" dirty="0" err="1" smtClean="0">
+                <a:solidFill>
+                  <a:srgbClr val="002060"/>
+                </a:solidFill>
+                <a:latin typeface="Consolas" pitchFamily="49" charset="0"/>
+              </a:rPr>
+              <a:t>begin_block</a:t>
+            </a:r>
+            <a:r>
+              <a:rPr lang="en-US" sz="1600" b="1" dirty="0" smtClean="0">
+                <a:solidFill>
+                  <a:srgbClr val="002060"/>
+                </a:solidFill>
+                <a:latin typeface="Consolas" pitchFamily="49" charset="0"/>
+              </a:rPr>
+              <a:t> f2 _ _</a:t>
+            </a:r>
+          </a:p>
+          <a:p>
+            <a:r>
+              <a:rPr lang="en-US" sz="1600" b="1" dirty="0" smtClean="0">
+                <a:solidFill>
+                  <a:srgbClr val="002060"/>
+                </a:solidFill>
+                <a:latin typeface="Consolas" pitchFamily="49" charset="0"/>
+              </a:rPr>
+              <a:t> 2 := 1 _ B</a:t>
+            </a:r>
+          </a:p>
+          <a:p>
+            <a:r>
+              <a:rPr lang="en-US" sz="1600" b="1" dirty="0" smtClean="0">
+                <a:solidFill>
+                  <a:srgbClr val="002060"/>
+                </a:solidFill>
+                <a:latin typeface="Consolas" pitchFamily="49" charset="0"/>
+              </a:rPr>
+              <a:t> 3 </a:t>
+            </a:r>
+            <a:r>
+              <a:rPr lang="en-US" sz="1600" b="1" dirty="0" err="1" smtClean="0">
+                <a:solidFill>
+                  <a:srgbClr val="002060"/>
+                </a:solidFill>
+                <a:latin typeface="Consolas" pitchFamily="49" charset="0"/>
+              </a:rPr>
+              <a:t>retv</a:t>
+            </a:r>
+            <a:r>
+              <a:rPr lang="en-US" sz="1600" b="1" dirty="0" smtClean="0">
+                <a:solidFill>
+                  <a:srgbClr val="002060"/>
+                </a:solidFill>
+                <a:latin typeface="Consolas" pitchFamily="49" charset="0"/>
+              </a:rPr>
+              <a:t> 1 _ _</a:t>
+            </a:r>
+          </a:p>
+          <a:p>
+            <a:r>
+              <a:rPr lang="en-US" sz="1600" b="1" dirty="0" smtClean="0">
+                <a:solidFill>
+                  <a:srgbClr val="002060"/>
+                </a:solidFill>
+                <a:latin typeface="Consolas" pitchFamily="49" charset="0"/>
+              </a:rPr>
+              <a:t> 4 </a:t>
+            </a:r>
+            <a:r>
+              <a:rPr lang="en-US" sz="1600" b="1" dirty="0" err="1" smtClean="0">
+                <a:solidFill>
+                  <a:srgbClr val="002060"/>
+                </a:solidFill>
+                <a:latin typeface="Consolas" pitchFamily="49" charset="0"/>
+              </a:rPr>
+              <a:t>end_block</a:t>
+            </a:r>
+            <a:r>
+              <a:rPr lang="en-US" sz="1600" b="1" dirty="0" smtClean="0">
+                <a:solidFill>
+                  <a:srgbClr val="002060"/>
+                </a:solidFill>
+                <a:latin typeface="Consolas" pitchFamily="49" charset="0"/>
+              </a:rPr>
+              <a:t> f2 _ _</a:t>
+            </a:r>
+          </a:p>
+          <a:p>
+            <a:r>
+              <a:rPr lang="en-US" sz="1600" b="1" dirty="0" smtClean="0">
+                <a:solidFill>
+                  <a:srgbClr val="002060"/>
+                </a:solidFill>
+                <a:latin typeface="Consolas" pitchFamily="49" charset="0"/>
+              </a:rPr>
+              <a:t> 5 </a:t>
+            </a:r>
+            <a:r>
+              <a:rPr lang="en-US" sz="1600" b="1" dirty="0" err="1" smtClean="0">
+                <a:solidFill>
+                  <a:srgbClr val="002060"/>
+                </a:solidFill>
+                <a:latin typeface="Consolas" pitchFamily="49" charset="0"/>
+              </a:rPr>
+              <a:t>begin_block</a:t>
+            </a:r>
+            <a:r>
+              <a:rPr lang="en-US" sz="1600" b="1" dirty="0" smtClean="0">
+                <a:solidFill>
+                  <a:srgbClr val="002060"/>
+                </a:solidFill>
+                <a:latin typeface="Consolas" pitchFamily="49" charset="0"/>
+              </a:rPr>
+              <a:t> f1 _ _</a:t>
+            </a:r>
+          </a:p>
+          <a:p>
+            <a:r>
+              <a:rPr lang="en-US" sz="1600" b="1" dirty="0" smtClean="0">
+                <a:solidFill>
+                  <a:srgbClr val="002060"/>
+                </a:solidFill>
+                <a:latin typeface="Consolas" pitchFamily="49" charset="0"/>
+              </a:rPr>
+              <a:t> 6 par T_1 ret _</a:t>
+            </a:r>
+          </a:p>
+          <a:p>
+            <a:r>
+              <a:rPr lang="en-US" sz="1600" b="1" dirty="0" smtClean="0">
+                <a:solidFill>
+                  <a:srgbClr val="002060"/>
+                </a:solidFill>
+                <a:latin typeface="Consolas" pitchFamily="49" charset="0"/>
+              </a:rPr>
+              <a:t> 7 call f2 _ _</a:t>
+            </a:r>
+          </a:p>
+          <a:p>
+            <a:r>
+              <a:rPr lang="en-US" sz="1600" b="1" dirty="0" smtClean="0">
+                <a:solidFill>
+                  <a:srgbClr val="002060"/>
+                </a:solidFill>
+                <a:latin typeface="Consolas" pitchFamily="49" charset="0"/>
+              </a:rPr>
+              <a:t> 8 := T_1 _ A</a:t>
+            </a:r>
+          </a:p>
+          <a:p>
+            <a:r>
+              <a:rPr lang="en-US" sz="1600" b="1" dirty="0" smtClean="0">
+                <a:solidFill>
+                  <a:srgbClr val="002060"/>
+                </a:solidFill>
+                <a:latin typeface="Consolas" pitchFamily="49" charset="0"/>
+              </a:rPr>
+              <a:t> 9 </a:t>
+            </a:r>
+            <a:r>
+              <a:rPr lang="en-US" sz="1600" b="1" dirty="0" err="1" smtClean="0">
+                <a:solidFill>
+                  <a:srgbClr val="002060"/>
+                </a:solidFill>
+                <a:latin typeface="Consolas" pitchFamily="49" charset="0"/>
+              </a:rPr>
+              <a:t>retv</a:t>
+            </a:r>
+            <a:r>
+              <a:rPr lang="en-US" sz="1600" b="1" dirty="0" smtClean="0">
+                <a:solidFill>
+                  <a:srgbClr val="002060"/>
+                </a:solidFill>
+                <a:latin typeface="Consolas" pitchFamily="49" charset="0"/>
+              </a:rPr>
               <a:t> </a:t>
             </a:r>
             <a:r>
@@ -26571,7 +26623,47 @@
                 </a:solidFill>
                 <a:latin typeface="Consolas" pitchFamily="49" charset="0"/>
               </a:rPr>
-              <a:t>1 </a:t>
+              <a:t>A _ _</a:t>
+            </a:r>
+          </a:p>
+          <a:p>
+            <a:r>
+              <a:rPr lang="en-US" sz="1600" b="1" dirty="0" smtClean="0">
+                <a:solidFill>
+                  <a:srgbClr val="002060"/>
+                </a:solidFill>
+                <a:latin typeface="Consolas" pitchFamily="49" charset="0"/>
+              </a:rPr>
+              <a:t>10 </a:t>
+            </a:r>
+            <a:r>
+              <a:rPr lang="en-US" sz="1600" b="1" dirty="0" err="1" smtClean="0">
+                <a:solidFill>
+                  <a:srgbClr val="002060"/>
+                </a:solidFill>
+                <a:latin typeface="Consolas" pitchFamily="49" charset="0"/>
+              </a:rPr>
+              <a:t>end_block</a:t>
+            </a:r>
+            <a:r>
+              <a:rPr lang="en-US" sz="1600" b="1" dirty="0" smtClean="0">
+                <a:solidFill>
+                  <a:srgbClr val="002060"/>
+                </a:solidFill>
+                <a:latin typeface="Consolas" pitchFamily="49" charset="0"/>
+              </a:rPr>
+              <a:t> f1 _ _</a:t>
+            </a:r>
+          </a:p>
+          <a:p>
+            <a:r>
+              <a:rPr lang="en-US" sz="1600" b="1" dirty="0" smtClean="0">
+                <a:solidFill>
+                  <a:srgbClr val="002060"/>
+                </a:solidFill>
+                <a:latin typeface="Consolas" pitchFamily="49" charset="0"/>
+              </a:rPr>
+              <a:t>11 </a:t>
             </a:r>
             <a:r>
               <a:rPr lang="en-US" sz="1600" b="1" dirty="0" err="1" smtClean="0">
@@ -26589,490 +26681,29 @@
                 </a:solidFill>
                 <a:latin typeface="Consolas" pitchFamily="49" charset="0"/>
               </a:rPr>
-              <a:t> </a:t>
-            </a:r>
-            <a:r>
-              <a:rPr lang="en-US" sz="1600" b="1" dirty="0" smtClean="0">
-                <a:solidFill>
-                  <a:srgbClr val="002060"/>
-                </a:solidFill>
-                <a:latin typeface="Consolas" pitchFamily="49" charset="0"/>
-              </a:rPr>
-              <a:t>f2</a:t>
-            </a:r>
-            <a:r>
-              <a:rPr lang="en-US" sz="1600" b="1" dirty="0" smtClean="0">
-                <a:solidFill>
-                  <a:srgbClr val="002060"/>
-                </a:solidFill>
-                <a:latin typeface="Consolas" pitchFamily="49" charset="0"/>
-              </a:rPr>
-              <a:t> </a:t>
-            </a:r>
-            <a:r>
-              <a:rPr lang="en-US" sz="1600" b="1" dirty="0" smtClean="0">
-                <a:solidFill>
-                  <a:srgbClr val="002060"/>
-                </a:solidFill>
-                <a:latin typeface="Consolas" pitchFamily="49" charset="0"/>
-              </a:rPr>
-              <a:t>_ _</a:t>
-            </a:r>
-          </a:p>
-          <a:p>
-            <a:r>
-              <a:rPr lang="en-US" sz="1600" b="1" dirty="0" smtClean="0">
-                <a:solidFill>
-                  <a:srgbClr val="002060"/>
-                </a:solidFill>
-                <a:latin typeface="Consolas" pitchFamily="49" charset="0"/>
-              </a:rPr>
-              <a:t> </a:t>
-            </a:r>
-            <a:r>
-              <a:rPr lang="en-US" sz="1600" b="1" dirty="0" smtClean="0">
-                <a:solidFill>
-                  <a:srgbClr val="002060"/>
-                </a:solidFill>
-                <a:latin typeface="Consolas" pitchFamily="49" charset="0"/>
-              </a:rPr>
-              <a:t>2</a:t>
-            </a:r>
-            <a:r>
-              <a:rPr lang="en-US" sz="1600" b="1" dirty="0" smtClean="0">
-                <a:solidFill>
-                  <a:srgbClr val="002060"/>
-                </a:solidFill>
-                <a:latin typeface="Consolas" pitchFamily="49" charset="0"/>
-              </a:rPr>
-              <a:t> </a:t>
-            </a:r>
-            <a:r>
-              <a:rPr lang="en-US" sz="1600" b="1" dirty="0" smtClean="0">
-                <a:solidFill>
-                  <a:srgbClr val="002060"/>
-                </a:solidFill>
-                <a:latin typeface="Consolas" pitchFamily="49" charset="0"/>
-              </a:rPr>
-              <a:t>:= </a:t>
-            </a:r>
-            <a:r>
-              <a:rPr lang="en-US" sz="1600" b="1" dirty="0" smtClean="0">
-                <a:solidFill>
-                  <a:srgbClr val="002060"/>
-                </a:solidFill>
-                <a:latin typeface="Consolas" pitchFamily="49" charset="0"/>
-              </a:rPr>
-              <a:t>1 </a:t>
-            </a:r>
-            <a:r>
-              <a:rPr lang="en-US" sz="1600" b="1" dirty="0" smtClean="0">
-                <a:solidFill>
-                  <a:srgbClr val="002060"/>
-                </a:solidFill>
-                <a:latin typeface="Consolas" pitchFamily="49" charset="0"/>
-              </a:rPr>
-              <a:t>_ </a:t>
-            </a:r>
-            <a:r>
-              <a:rPr lang="en-US" sz="1600" b="1" dirty="0" smtClean="0">
-                <a:solidFill>
-                  <a:srgbClr val="002060"/>
-                </a:solidFill>
-                <a:latin typeface="Consolas" pitchFamily="49" charset="0"/>
-              </a:rPr>
-              <a:t>B</a:t>
-            </a:r>
-            <a:endParaRPr lang="en-US" sz="1600" b="1" dirty="0" smtClean="0">
-              <a:solidFill>
-                <a:srgbClr val="002060"/>
-              </a:solidFill>
-              <a:latin typeface="Consolas" pitchFamily="49" charset="0"/>
-            </a:endParaRPr>
-          </a:p>
-          <a:p>
-            <a:r>
-              <a:rPr lang="en-US" sz="1600" b="1" dirty="0" smtClean="0">
-                <a:solidFill>
-                  <a:srgbClr val="002060"/>
-                </a:solidFill>
-                <a:latin typeface="Consolas" pitchFamily="49" charset="0"/>
-              </a:rPr>
-              <a:t> </a:t>
-            </a:r>
-            <a:r>
-              <a:rPr lang="en-US" sz="1600" b="1" dirty="0" smtClean="0">
-                <a:solidFill>
-                  <a:srgbClr val="002060"/>
-                </a:solidFill>
-                <a:latin typeface="Consolas" pitchFamily="49" charset="0"/>
-              </a:rPr>
-              <a:t>3</a:t>
-            </a:r>
-            <a:r>
-              <a:rPr lang="en-US" sz="1600" b="1" dirty="0" smtClean="0">
-                <a:solidFill>
-                  <a:srgbClr val="002060"/>
-                </a:solidFill>
-                <a:latin typeface="Consolas" pitchFamily="49" charset="0"/>
-              </a:rPr>
-              <a:t> </a:t>
-            </a:r>
-            <a:r>
-              <a:rPr lang="en-US" sz="1600" b="1" dirty="0" err="1" smtClean="0">
-                <a:solidFill>
-                  <a:srgbClr val="002060"/>
-                </a:solidFill>
-                <a:latin typeface="Consolas" pitchFamily="49" charset="0"/>
-              </a:rPr>
-              <a:t>retv</a:t>
-            </a:r>
-            <a:r>
-              <a:rPr lang="en-US" sz="1600" b="1" dirty="0" smtClean="0">
-                <a:solidFill>
-                  <a:srgbClr val="002060"/>
-                </a:solidFill>
-                <a:latin typeface="Consolas" pitchFamily="49" charset="0"/>
-              </a:rPr>
-              <a:t> 1 _ _</a:t>
-            </a:r>
-            <a:endParaRPr lang="en-US" sz="1600" b="1" dirty="0" smtClean="0">
-              <a:solidFill>
-                <a:srgbClr val="002060"/>
-              </a:solidFill>
-              <a:latin typeface="Consolas" pitchFamily="49" charset="0"/>
-            </a:endParaRPr>
-          </a:p>
-          <a:p>
-            <a:r>
-              <a:rPr lang="en-US" sz="1600" b="1" dirty="0" smtClean="0">
-                <a:solidFill>
-                  <a:srgbClr val="002060"/>
-                </a:solidFill>
-                <a:latin typeface="Consolas" pitchFamily="49" charset="0"/>
-              </a:rPr>
-              <a:t> </a:t>
-            </a:r>
-            <a:r>
-              <a:rPr lang="en-US" sz="1600" b="1" dirty="0" smtClean="0">
-                <a:solidFill>
-                  <a:srgbClr val="002060"/>
-                </a:solidFill>
-                <a:latin typeface="Consolas" pitchFamily="49" charset="0"/>
-              </a:rPr>
-              <a:t>4 </a:t>
-            </a:r>
-            <a:r>
-              <a:rPr lang="en-US" sz="1600" b="1" dirty="0" err="1" smtClean="0">
-                <a:solidFill>
-                  <a:srgbClr val="002060"/>
-                </a:solidFill>
-                <a:latin typeface="Consolas" pitchFamily="49" charset="0"/>
-              </a:rPr>
-              <a:t>end_block</a:t>
-            </a:r>
-            <a:r>
-              <a:rPr lang="en-US" sz="1600" b="1" dirty="0" smtClean="0">
-                <a:solidFill>
-                  <a:srgbClr val="002060"/>
-                </a:solidFill>
-                <a:latin typeface="Consolas" pitchFamily="49" charset="0"/>
-              </a:rPr>
-              <a:t> </a:t>
-            </a:r>
-            <a:r>
-              <a:rPr lang="en-US" sz="1600" b="1" dirty="0" smtClean="0">
-                <a:solidFill>
-                  <a:srgbClr val="002060"/>
-                </a:solidFill>
-                <a:latin typeface="Consolas" pitchFamily="49" charset="0"/>
-              </a:rPr>
-              <a:t>f2 _ _</a:t>
-            </a:r>
-            <a:endParaRPr lang="en-US" sz="1600" b="1" dirty="0" smtClean="0">
-              <a:solidFill>
-                <a:srgbClr val="002060"/>
-              </a:solidFill>
-              <a:latin typeface="Consolas" pitchFamily="49" charset="0"/>
-            </a:endParaRPr>
-          </a:p>
-          <a:p>
-            <a:r>
-              <a:rPr lang="en-US" sz="1600" b="1" dirty="0" smtClean="0">
-                <a:solidFill>
-                  <a:srgbClr val="002060"/>
-                </a:solidFill>
-                <a:latin typeface="Consolas" pitchFamily="49" charset="0"/>
-              </a:rPr>
-              <a:t> </a:t>
-            </a:r>
-            <a:r>
-              <a:rPr lang="en-US" sz="1600" b="1" dirty="0" smtClean="0">
-                <a:solidFill>
-                  <a:srgbClr val="002060"/>
-                </a:solidFill>
-                <a:latin typeface="Consolas" pitchFamily="49" charset="0"/>
-              </a:rPr>
-              <a:t>5 </a:t>
-            </a:r>
-            <a:r>
-              <a:rPr lang="en-US" sz="1600" b="1" dirty="0" err="1" smtClean="0">
-                <a:solidFill>
-                  <a:srgbClr val="002060"/>
-                </a:solidFill>
-                <a:latin typeface="Consolas" pitchFamily="49" charset="0"/>
-              </a:rPr>
-              <a:t>begin_block</a:t>
-            </a:r>
-            <a:r>
-              <a:rPr lang="en-US" sz="1600" b="1" dirty="0" smtClean="0">
-                <a:solidFill>
-                  <a:srgbClr val="002060"/>
-                </a:solidFill>
-                <a:latin typeface="Consolas" pitchFamily="49" charset="0"/>
-              </a:rPr>
-              <a:t> </a:t>
-            </a:r>
-            <a:r>
-              <a:rPr lang="en-US" sz="1600" b="1" dirty="0" smtClean="0">
-                <a:solidFill>
-                  <a:srgbClr val="002060"/>
-                </a:solidFill>
-                <a:latin typeface="Consolas" pitchFamily="49" charset="0"/>
-              </a:rPr>
-              <a:t>f1 </a:t>
-            </a:r>
-            <a:r>
-              <a:rPr lang="en-US" sz="1600" b="1" dirty="0" smtClean="0">
-                <a:solidFill>
-                  <a:srgbClr val="002060"/>
-                </a:solidFill>
-                <a:latin typeface="Consolas" pitchFamily="49" charset="0"/>
-              </a:rPr>
-              <a:t>_ </a:t>
-            </a:r>
-            <a:r>
-              <a:rPr lang="en-US" sz="1600" b="1" dirty="0" smtClean="0">
-                <a:solidFill>
-                  <a:srgbClr val="002060"/>
-                </a:solidFill>
-                <a:latin typeface="Consolas" pitchFamily="49" charset="0"/>
-              </a:rPr>
-              <a:t>_</a:t>
-            </a:r>
-          </a:p>
-          <a:p>
-            <a:r>
-              <a:rPr lang="en-US" sz="1600" b="1" dirty="0" smtClean="0">
-                <a:solidFill>
-                  <a:srgbClr val="002060"/>
-                </a:solidFill>
-                <a:latin typeface="Consolas" pitchFamily="49" charset="0"/>
-              </a:rPr>
-              <a:t> </a:t>
-            </a:r>
-            <a:r>
-              <a:rPr lang="en-US" sz="1600" b="1" dirty="0" smtClean="0">
-                <a:solidFill>
-                  <a:srgbClr val="002060"/>
-                </a:solidFill>
-                <a:latin typeface="Consolas" pitchFamily="49" charset="0"/>
-              </a:rPr>
-              <a:t>6 par T_1 ret _</a:t>
-            </a:r>
-          </a:p>
-          <a:p>
-            <a:r>
-              <a:rPr lang="en-US" sz="1600" b="1" dirty="0" smtClean="0">
-                <a:solidFill>
-                  <a:srgbClr val="002060"/>
-                </a:solidFill>
-                <a:latin typeface="Consolas" pitchFamily="49" charset="0"/>
-              </a:rPr>
-              <a:t> </a:t>
-            </a:r>
-            <a:r>
-              <a:rPr lang="en-US" sz="1600" b="1" dirty="0" smtClean="0">
-                <a:solidFill>
-                  <a:srgbClr val="002060"/>
-                </a:solidFill>
-                <a:latin typeface="Consolas" pitchFamily="49" charset="0"/>
-              </a:rPr>
-              <a:t>7 call f2 _ _</a:t>
-            </a:r>
-          </a:p>
-          <a:p>
-            <a:r>
-              <a:rPr lang="en-US" sz="1600" b="1" dirty="0" smtClean="0">
-                <a:solidFill>
-                  <a:srgbClr val="002060"/>
-                </a:solidFill>
-                <a:latin typeface="Consolas" pitchFamily="49" charset="0"/>
-              </a:rPr>
-              <a:t> 8 := T_1 _ A</a:t>
-            </a:r>
-          </a:p>
-          <a:p>
-            <a:r>
-              <a:rPr lang="en-US" sz="1600" b="1" dirty="0" smtClean="0">
-                <a:solidFill>
-                  <a:srgbClr val="002060"/>
-                </a:solidFill>
-                <a:latin typeface="Consolas" pitchFamily="49" charset="0"/>
-              </a:rPr>
-              <a:t> </a:t>
-            </a:r>
-            <a:r>
-              <a:rPr lang="en-US" sz="1600" b="1" dirty="0" smtClean="0">
-                <a:solidFill>
-                  <a:srgbClr val="002060"/>
-                </a:solidFill>
-                <a:latin typeface="Consolas" pitchFamily="49" charset="0"/>
-              </a:rPr>
-              <a:t>9 rev A _ _</a:t>
-            </a:r>
-          </a:p>
-          <a:p>
-            <a:r>
-              <a:rPr lang="en-US" sz="1600" b="1" dirty="0" smtClean="0">
-                <a:solidFill>
-                  <a:srgbClr val="002060"/>
-                </a:solidFill>
-                <a:latin typeface="Consolas" pitchFamily="49" charset="0"/>
-              </a:rPr>
-              <a:t>10 </a:t>
-            </a:r>
-            <a:r>
-              <a:rPr lang="en-US" sz="1600" b="1" dirty="0" err="1" smtClean="0">
-                <a:solidFill>
-                  <a:srgbClr val="002060"/>
-                </a:solidFill>
-                <a:latin typeface="Consolas" pitchFamily="49" charset="0"/>
-              </a:rPr>
-              <a:t>end_block</a:t>
-            </a:r>
-            <a:r>
-              <a:rPr lang="en-US" sz="1600" b="1" dirty="0" smtClean="0">
-                <a:solidFill>
-                  <a:srgbClr val="002060"/>
-                </a:solidFill>
-                <a:latin typeface="Consolas" pitchFamily="49" charset="0"/>
-              </a:rPr>
-              <a:t> f1 _ _</a:t>
-            </a:r>
-          </a:p>
-          <a:p>
-            <a:r>
-              <a:rPr lang="en-US" sz="1600" b="1" dirty="0" smtClean="0">
-                <a:solidFill>
-                  <a:srgbClr val="002060"/>
-                </a:solidFill>
-                <a:latin typeface="Consolas" pitchFamily="49" charset="0"/>
-              </a:rPr>
-              <a:t>11 </a:t>
-            </a:r>
-            <a:r>
-              <a:rPr lang="en-US" sz="1600" b="1" dirty="0" err="1" smtClean="0">
-                <a:solidFill>
-                  <a:srgbClr val="002060"/>
-                </a:solidFill>
-                <a:latin typeface="Consolas" pitchFamily="49" charset="0"/>
-              </a:rPr>
-              <a:t>begin_block</a:t>
-            </a:r>
-            <a:r>
-              <a:rPr lang="en-US" sz="1600" b="1" dirty="0" smtClean="0">
-                <a:solidFill>
-                  <a:srgbClr val="002060"/>
-                </a:solidFill>
-                <a:latin typeface="Consolas" pitchFamily="49" charset="0"/>
-              </a:rPr>
-              <a:t> main </a:t>
-            </a:r>
-            <a:r>
-              <a:rPr lang="en-US" sz="1600" b="1" dirty="0" smtClean="0">
-                <a:solidFill>
-                  <a:srgbClr val="002060"/>
-                </a:solidFill>
-                <a:latin typeface="Consolas" pitchFamily="49" charset="0"/>
-              </a:rPr>
-              <a:t>_ </a:t>
-            </a:r>
-            <a:r>
-              <a:rPr lang="en-US" sz="1600" b="1" dirty="0" smtClean="0">
-                <a:solidFill>
-                  <a:srgbClr val="002060"/>
-                </a:solidFill>
-                <a:latin typeface="Consolas" pitchFamily="49" charset="0"/>
-              </a:rPr>
-              <a:t>_</a:t>
-            </a:r>
-          </a:p>
-          <a:p>
-            <a:r>
-              <a:rPr lang="en-US" sz="1600" b="1" dirty="0" smtClean="0">
-                <a:solidFill>
-                  <a:srgbClr val="002060"/>
-                </a:solidFill>
-                <a:latin typeface="Consolas" pitchFamily="49" charset="0"/>
-              </a:rPr>
-              <a:t>12 </a:t>
-            </a:r>
-            <a:r>
-              <a:rPr lang="en-US" sz="1600" b="1" dirty="0" smtClean="0">
-                <a:solidFill>
-                  <a:srgbClr val="002060"/>
-                </a:solidFill>
-                <a:latin typeface="Consolas" pitchFamily="49" charset="0"/>
-              </a:rPr>
-              <a:t>par </a:t>
-            </a:r>
-            <a:r>
-              <a:rPr lang="en-US" sz="1600" b="1" dirty="0" smtClean="0">
-                <a:solidFill>
-                  <a:srgbClr val="002060"/>
-                </a:solidFill>
-                <a:latin typeface="Consolas" pitchFamily="49" charset="0"/>
-              </a:rPr>
-              <a:t>T_2 </a:t>
-            </a:r>
-            <a:r>
-              <a:rPr lang="en-US" sz="1600" b="1" dirty="0" smtClean="0">
-                <a:solidFill>
-                  <a:srgbClr val="002060"/>
-                </a:solidFill>
-                <a:latin typeface="Consolas" pitchFamily="49" charset="0"/>
-              </a:rPr>
-              <a:t>ret _</a:t>
-            </a:r>
-          </a:p>
-          <a:p>
-            <a:r>
-              <a:rPr lang="en-US" sz="1600" b="1" dirty="0" smtClean="0">
-                <a:solidFill>
-                  <a:srgbClr val="002060"/>
-                </a:solidFill>
-                <a:latin typeface="Consolas" pitchFamily="49" charset="0"/>
-              </a:rPr>
-              <a:t>13 </a:t>
-            </a:r>
-            <a:r>
-              <a:rPr lang="en-US" sz="1600" b="1" dirty="0" smtClean="0">
-                <a:solidFill>
-                  <a:srgbClr val="002060"/>
-                </a:solidFill>
-                <a:latin typeface="Consolas" pitchFamily="49" charset="0"/>
-              </a:rPr>
-              <a:t>call f1 _ </a:t>
-            </a:r>
-            <a:r>
-              <a:rPr lang="en-US" sz="1600" b="1" dirty="0" smtClean="0">
-                <a:solidFill>
-                  <a:srgbClr val="002060"/>
-                </a:solidFill>
-                <a:latin typeface="Consolas" pitchFamily="49" charset="0"/>
-              </a:rPr>
-              <a:t>_</a:t>
+              <a:t> main _ _</a:t>
+            </a:r>
+          </a:p>
+          <a:p>
+            <a:r>
+              <a:rPr lang="en-US" sz="1600" b="1" dirty="0" smtClean="0">
+                <a:solidFill>
+                  <a:srgbClr val="002060"/>
+                </a:solidFill>
+                <a:latin typeface="Consolas" pitchFamily="49" charset="0"/>
+              </a:rPr>
+              <a:t>12 par T_2 ret _</a:t>
+            </a:r>
+          </a:p>
+          <a:p>
+            <a:r>
+              <a:rPr lang="en-US" sz="1600" b="1" dirty="0" smtClean="0">
+                <a:solidFill>
+                  <a:srgbClr val="002060"/>
+                </a:solidFill>
+                <a:latin typeface="Consolas" pitchFamily="49" charset="0"/>
+              </a:rPr>
+              <a:t>13 call f1 _ _</a:t>
             </a:r>
           </a:p>
           <a:p>
@@ -27085,70 +26716,56 @@
               </a:rPr>
               <a:t>14 out T_2</a:t>
             </a:r>
-            <a:endParaRPr lang="en-US" sz="1600" b="1" dirty="0" smtClean="0">
-              <a:solidFill>
-                <a:srgbClr val="002060"/>
-              </a:solidFill>
-              <a:latin typeface="Consolas" pitchFamily="49" charset="0"/>
-            </a:endParaRPr>
-          </a:p>
-          <a:p>
-            <a:r>
-              <a:rPr lang="en-US" sz="1600" b="1" dirty="0" smtClean="0">
-                <a:solidFill>
-                  <a:srgbClr val="002060"/>
-                </a:solidFill>
-                <a:latin typeface="Consolas" pitchFamily="49" charset="0"/>
-              </a:rPr>
-              <a:t>15 out </a:t>
-            </a:r>
-            <a:r>
-              <a:rPr lang="en-US" sz="1600" b="1" dirty="0" smtClean="0">
-                <a:solidFill>
-                  <a:srgbClr val="002060"/>
-                </a:solidFill>
-                <a:latin typeface="Consolas" pitchFamily="49" charset="0"/>
-              </a:rPr>
-              <a:t>A</a:t>
-            </a:r>
-            <a:endParaRPr lang="en-US" sz="1600" b="1" dirty="0" smtClean="0">
-              <a:solidFill>
-                <a:srgbClr val="002060"/>
-              </a:solidFill>
-              <a:latin typeface="Consolas" pitchFamily="49" charset="0"/>
-            </a:endParaRPr>
-          </a:p>
-          <a:p>
-            <a:r>
-              <a:rPr lang="en-US" sz="1600" b="1" dirty="0" smtClean="0">
-                <a:solidFill>
-                  <a:srgbClr val="002060"/>
-                </a:solidFill>
-                <a:latin typeface="Consolas" pitchFamily="49" charset="0"/>
-              </a:rPr>
-              <a:t>16 out B</a:t>
-            </a:r>
-          </a:p>
-          <a:p>
-            <a:r>
-              <a:rPr lang="en-US" sz="1600" b="1" dirty="0" smtClean="0">
-                <a:solidFill>
-                  <a:srgbClr val="002060"/>
-                </a:solidFill>
-                <a:latin typeface="Consolas" pitchFamily="49" charset="0"/>
-              </a:rPr>
-              <a:t>17 halt _ _ _</a:t>
-            </a:r>
-          </a:p>
-          <a:p>
-            <a:r>
-              <a:rPr lang="en-US" sz="1600" b="1" dirty="0" smtClean="0">
-                <a:solidFill>
-                  <a:srgbClr val="002060"/>
-                </a:solidFill>
-                <a:latin typeface="Consolas" pitchFamily="49" charset="0"/>
-              </a:rPr>
-              <a:t>18 </a:t>
+          </a:p>
+          <a:p>
+            <a:r>
+              <a:rPr lang="en-US" sz="1600" b="1" dirty="0" smtClean="0">
+                <a:solidFill>
+                  <a:srgbClr val="002060"/>
+                </a:solidFill>
+                <a:latin typeface="Consolas" pitchFamily="49" charset="0"/>
+              </a:rPr>
+              <a:t>15 out A</a:t>
+            </a:r>
+          </a:p>
+          <a:p>
+            <a:r>
+              <a:rPr lang="en-US" sz="1600" b="1" dirty="0" smtClean="0">
+                <a:solidFill>
+                  <a:srgbClr val="002060"/>
+                </a:solidFill>
+                <a:latin typeface="Consolas" pitchFamily="49" charset="0"/>
+              </a:rPr>
+              <a:t>16 </a:t>
+            </a:r>
+            <a:r>
+              <a:rPr lang="en-US" sz="1600" b="1" dirty="0" smtClean="0">
+                <a:solidFill>
+                  <a:srgbClr val="002060"/>
+                </a:solidFill>
+                <a:latin typeface="Consolas" pitchFamily="49" charset="0"/>
+              </a:rPr>
+              <a:t>halt </a:t>
+            </a:r>
+            <a:r>
+              <a:rPr lang="en-US" sz="1600" b="1" dirty="0" smtClean="0">
+                <a:solidFill>
+                  <a:srgbClr val="002060"/>
+                </a:solidFill>
+                <a:latin typeface="Consolas" pitchFamily="49" charset="0"/>
+              </a:rPr>
+              <a:t>_ _ _</a:t>
+            </a:r>
+          </a:p>
+          <a:p>
+            <a:r>
+              <a:rPr lang="en-US" sz="1600" b="1" smtClean="0">
+                <a:solidFill>
+                  <a:srgbClr val="002060"/>
+                </a:solidFill>
+                <a:latin typeface="Consolas" pitchFamily="49" charset="0"/>
+              </a:rPr>
+              <a:t>17 </a:t>
             </a:r>
             <a:r>
               <a:rPr lang="en-US" sz="1600" b="1" dirty="0" err="1" smtClean="0">
@@ -30687,13 +30304,13 @@
 </file>
 
 <file path=customXml/itemProps1.xml><?xml version="1.0" encoding="utf-8"?>
-<ds:datastoreItem xmlns:ds="http://schemas.openxmlformats.org/officeDocument/2006/customXml" ds:itemID="{97CD34F4-4D55-457E-A87C-29AF05BD2A21}"/>
+<ds:datastoreItem xmlns:ds="http://schemas.openxmlformats.org/officeDocument/2006/customXml" ds:itemID="{C92802A8-FEB9-4135-B24D-B2064859FC22}"/>
 </file>
 
 <file path=customXml/itemProps2.xml><?xml version="1.0" encoding="utf-8"?>
-<ds:datastoreItem xmlns:ds="http://schemas.openxmlformats.org/officeDocument/2006/customXml" ds:itemID="{E7942F59-B2A4-4879-ACE6-70667BCA906A}"/>
+<ds:datastoreItem xmlns:ds="http://schemas.openxmlformats.org/officeDocument/2006/customXml" ds:itemID="{D68F5EBF-4210-4A2B-BFC5-60C6992A0391}"/>
 </file>
 
 <file path=customXml/itemProps3.xml><?xml version="1.0" encoding="utf-8"?>
-<ds:datastoreItem xmlns:ds="http://schemas.openxmlformats.org/officeDocument/2006/customXml" ds:itemID="{CF6A7D7C-CF7B-47BE-8CF5-1D78DB7FED92}"/>
+<ds:datastoreItem xmlns:ds="http://schemas.openxmlformats.org/officeDocument/2006/customXml" ds:itemID="{2931A4CB-6ED0-40BB-99CA-B487D65CC36F}"/>
 </file>